--- a/experiment3/docs/Project/Project.pptx
+++ b/experiment3/docs/Project/Project.pptx
@@ -280,7 +280,7 @@
             <a:fld id="{B0E53223-BD64-4BED-9BC8-4C388EA24B82}" type="datetimeFigureOut">
               <a:rPr lang="zh-CN" altLang="en-US" smtClean="0"/>
               <a:pPr/>
-              <a:t>2020/10/31</a:t>
+              <a:t>2020/11/9</a:t>
             </a:fld>
             <a:endParaRPr lang="zh-CN" altLang="en-US"/>
           </a:p>
